--- a/adt-and-links/res/Linked5.pptx
+++ b/adt-and-links/res/Linked5.pptx
@@ -259,7 +259,7 @@
           <a:p>
             <a:fld id="{1B849F53-4A53-0640-95C9-9308D9435019}" type="datetimeFigureOut">
               <a:rPr lang="en-US" smtClean="0"/>
-              <a:t>9/3/19</a:t>
+              <a:t>9/4/19</a:t>
             </a:fld>
             <a:endParaRPr lang="en-US"/>
           </a:p>
@@ -457,7 +457,7 @@
           <a:p>
             <a:fld id="{1B849F53-4A53-0640-95C9-9308D9435019}" type="datetimeFigureOut">
               <a:rPr lang="en-US" smtClean="0"/>
-              <a:t>9/3/19</a:t>
+              <a:t>9/4/19</a:t>
             </a:fld>
             <a:endParaRPr lang="en-US"/>
           </a:p>
@@ -665,7 +665,7 @@
           <a:p>
             <a:fld id="{1B849F53-4A53-0640-95C9-9308D9435019}" type="datetimeFigureOut">
               <a:rPr lang="en-US" smtClean="0"/>
-              <a:t>9/3/19</a:t>
+              <a:t>9/4/19</a:t>
             </a:fld>
             <a:endParaRPr lang="en-US"/>
           </a:p>
@@ -863,7 +863,7 @@
           <a:p>
             <a:fld id="{1B849F53-4A53-0640-95C9-9308D9435019}" type="datetimeFigureOut">
               <a:rPr lang="en-US" smtClean="0"/>
-              <a:t>9/3/19</a:t>
+              <a:t>9/4/19</a:t>
             </a:fld>
             <a:endParaRPr lang="en-US"/>
           </a:p>
@@ -1138,7 +1138,7 @@
           <a:p>
             <a:fld id="{1B849F53-4A53-0640-95C9-9308D9435019}" type="datetimeFigureOut">
               <a:rPr lang="en-US" smtClean="0"/>
-              <a:t>9/3/19</a:t>
+              <a:t>9/4/19</a:t>
             </a:fld>
             <a:endParaRPr lang="en-US"/>
           </a:p>
@@ -1403,7 +1403,7 @@
           <a:p>
             <a:fld id="{1B849F53-4A53-0640-95C9-9308D9435019}" type="datetimeFigureOut">
               <a:rPr lang="en-US" smtClean="0"/>
-              <a:t>9/3/19</a:t>
+              <a:t>9/4/19</a:t>
             </a:fld>
             <a:endParaRPr lang="en-US"/>
           </a:p>
@@ -1815,7 +1815,7 @@
           <a:p>
             <a:fld id="{1B849F53-4A53-0640-95C9-9308D9435019}" type="datetimeFigureOut">
               <a:rPr lang="en-US" smtClean="0"/>
-              <a:t>9/3/19</a:t>
+              <a:t>9/4/19</a:t>
             </a:fld>
             <a:endParaRPr lang="en-US"/>
           </a:p>
@@ -1956,7 +1956,7 @@
           <a:p>
             <a:fld id="{1B849F53-4A53-0640-95C9-9308D9435019}" type="datetimeFigureOut">
               <a:rPr lang="en-US" smtClean="0"/>
-              <a:t>9/3/19</a:t>
+              <a:t>9/4/19</a:t>
             </a:fld>
             <a:endParaRPr lang="en-US"/>
           </a:p>
@@ -2069,7 +2069,7 @@
           <a:p>
             <a:fld id="{1B849F53-4A53-0640-95C9-9308D9435019}" type="datetimeFigureOut">
               <a:rPr lang="en-US" smtClean="0"/>
-              <a:t>9/3/19</a:t>
+              <a:t>9/4/19</a:t>
             </a:fld>
             <a:endParaRPr lang="en-US"/>
           </a:p>
@@ -2380,7 +2380,7 @@
           <a:p>
             <a:fld id="{1B849F53-4A53-0640-95C9-9308D9435019}" type="datetimeFigureOut">
               <a:rPr lang="en-US" smtClean="0"/>
-              <a:t>9/3/19</a:t>
+              <a:t>9/4/19</a:t>
             </a:fld>
             <a:endParaRPr lang="en-US"/>
           </a:p>
@@ -2668,7 +2668,7 @@
           <a:p>
             <a:fld id="{1B849F53-4A53-0640-95C9-9308D9435019}" type="datetimeFigureOut">
               <a:rPr lang="en-US" smtClean="0"/>
-              <a:t>9/3/19</a:t>
+              <a:t>9/4/19</a:t>
             </a:fld>
             <a:endParaRPr lang="en-US"/>
           </a:p>
@@ -2909,7 +2909,7 @@
           <a:p>
             <a:fld id="{1B849F53-4A53-0640-95C9-9308D9435019}" type="datetimeFigureOut">
               <a:rPr lang="en-US" smtClean="0"/>
-              <a:t>9/3/19</a:t>
+              <a:t>9/4/19</a:t>
             </a:fld>
             <a:endParaRPr lang="en-US"/>
           </a:p>
@@ -3340,10 +3340,10 @@
         </p:nvGrpSpPr>
         <p:grpSpPr>
           <a:xfrm>
-            <a:off x="894178" y="1053885"/>
-            <a:ext cx="10967621" cy="1503335"/>
-            <a:chOff x="1174022" y="4045058"/>
-            <a:chExt cx="10124242" cy="1503335"/>
+            <a:off x="897979" y="1053885"/>
+            <a:ext cx="10963820" cy="1503335"/>
+            <a:chOff x="1177531" y="4045058"/>
+            <a:chExt cx="10120733" cy="1503335"/>
           </a:xfrm>
         </p:grpSpPr>
         <p:sp>
@@ -3360,8 +3360,8 @@
           </p:nvSpPr>
           <p:spPr>
             <a:xfrm>
-              <a:off x="1174022" y="4637003"/>
-              <a:ext cx="869662" cy="400110"/>
+              <a:off x="1177531" y="4713638"/>
+              <a:ext cx="854104" cy="338554"/>
             </a:xfrm>
             <a:prstGeom prst="rect">
               <a:avLst/>
@@ -3375,7 +3375,10 @@
             <a:lstStyle/>
             <a:p>
               <a:r>
-                <a:rPr lang="en-US" sz="2000" b="1" dirty="0"/>
+                <a:rPr lang="en-US" sz="1600" b="1" dirty="0">
+                  <a:latin typeface="Courier New" panose="02070309020205020404" pitchFamily="49" charset="0"/>
+                  <a:cs typeface="Courier New" panose="02070309020205020404" pitchFamily="49" charset="0"/>
+                </a:rPr>
                 <a:t>myList</a:t>
               </a:r>
             </a:p>
@@ -3401,6 +3404,9 @@
             <a:prstGeom prst="rect">
               <a:avLst/>
             </a:prstGeom>
+            <a:solidFill>
+              <a:schemeClr val="bg2"/>
+            </a:solidFill>
           </p:spPr>
           <p:style>
             <a:lnRef idx="2">
@@ -3423,7 +3429,7 @@
             <a:lstStyle/>
             <a:p>
               <a:pPr algn="ctr"/>
-              <a:endParaRPr lang="en-US" dirty="0"/>
+              <a:endParaRPr lang="en-US" sz="1600" dirty="0"/>
             </a:p>
           </p:txBody>
         </p:sp>
@@ -3441,13 +3447,15 @@
           </p:nvSpPr>
           <p:spPr>
             <a:xfrm>
-              <a:off x="3133459" y="4157870"/>
-              <a:ext cx="702815" cy="369332"/>
+              <a:off x="3102463" y="4166062"/>
+              <a:ext cx="968044" cy="338554"/>
             </a:xfrm>
             <a:prstGeom prst="rect">
               <a:avLst/>
             </a:prstGeom>
-            <a:noFill/>
+            <a:solidFill>
+              <a:schemeClr val="bg1"/>
+            </a:solidFill>
           </p:spPr>
           <p:txBody>
             <a:bodyPr wrap="none" rtlCol="0">
@@ -3456,10 +3464,9 @@
             <a:lstStyle/>
             <a:p>
               <a:r>
-                <a:rPr lang="en-US" dirty="0">
-                  <a:solidFill>
-                    <a:schemeClr val="bg1"/>
-                  </a:solidFill>
+                <a:rPr lang="en-US" sz="1600" dirty="0">
+                  <a:latin typeface="Courier New" panose="02070309020205020404" pitchFamily="49" charset="0"/>
+                  <a:cs typeface="Courier New" panose="02070309020205020404" pitchFamily="49" charset="0"/>
                 </a:rPr>
                 <a:t>size: 4</a:t>
               </a:r>
@@ -3480,13 +3487,15 @@
           </p:nvSpPr>
           <p:spPr>
             <a:xfrm>
-              <a:off x="3102463" y="4720060"/>
-              <a:ext cx="654346" cy="369332"/>
+              <a:off x="3102463" y="4733937"/>
+              <a:ext cx="626225" cy="338554"/>
             </a:xfrm>
             <a:prstGeom prst="rect">
               <a:avLst/>
             </a:prstGeom>
-            <a:noFill/>
+            <a:solidFill>
+              <a:schemeClr val="bg1"/>
+            </a:solidFill>
           </p:spPr>
           <p:txBody>
             <a:bodyPr wrap="none" rtlCol="0">
@@ -3495,10 +3504,9 @@
             <a:lstStyle/>
             <a:p>
               <a:r>
-                <a:rPr lang="en-US" dirty="0">
-                  <a:solidFill>
-                    <a:schemeClr val="bg1"/>
-                  </a:solidFill>
+                <a:rPr lang="en-US" sz="1600" dirty="0">
+                  <a:latin typeface="Courier New" panose="02070309020205020404" pitchFamily="49" charset="0"/>
+                  <a:cs typeface="Courier New" panose="02070309020205020404" pitchFamily="49" charset="0"/>
                 </a:rPr>
                 <a:t>head</a:t>
               </a:r>
@@ -3516,23 +3524,22 @@
             </p:cNvPr>
             <p:cNvCxnSpPr>
               <a:cxnSpLocks/>
-              <a:stCxn id="19" idx="3"/>
             </p:cNvCxnSpPr>
             <p:nvPr/>
           </p:nvCxnSpPr>
           <p:spPr>
-            <a:xfrm flipV="1">
-              <a:off x="3756809" y="4903213"/>
-              <a:ext cx="341947" cy="1513"/>
+            <a:xfrm>
+              <a:off x="3714400" y="4888155"/>
+              <a:ext cx="373333" cy="5348"/>
             </a:xfrm>
             <a:prstGeom prst="straightConnector1">
               <a:avLst/>
             </a:prstGeom>
             <a:ln w="25400">
               <a:solidFill>
-                <a:schemeClr val="bg1"/>
+                <a:schemeClr val="tx1"/>
               </a:solidFill>
-              <a:tailEnd type="triangle"/>
+              <a:tailEnd type="triangle" w="lg" len="lg"/>
             </a:ln>
           </p:spPr>
           <p:style>
@@ -3560,14 +3567,14 @@
               </a:extLst>
             </p:cNvPr>
             <p:cNvCxnSpPr>
-              <a:stCxn id="5" idx="3"/>
+              <a:cxnSpLocks/>
             </p:cNvCxnSpPr>
             <p:nvPr/>
           </p:nvCxnSpPr>
           <p:spPr>
             <a:xfrm>
-              <a:off x="2043684" y="4837058"/>
-              <a:ext cx="923036" cy="0"/>
+              <a:off x="2071175" y="4883793"/>
+              <a:ext cx="888248" cy="0"/>
             </a:xfrm>
             <a:prstGeom prst="straightConnector1">
               <a:avLst/>
@@ -3576,7 +3583,7 @@
               <a:solidFill>
                 <a:schemeClr val="tx1"/>
               </a:solidFill>
-              <a:tailEnd type="triangle"/>
+              <a:tailEnd type="triangle" w="lg" len="lg"/>
             </a:ln>
           </p:spPr>
           <p:style>
@@ -3636,7 +3643,7 @@
               <a:avLst/>
             </a:prstGeom>
             <a:solidFill>
-              <a:schemeClr val="bg1"/>
+              <a:srgbClr val="FFFF00"/>
             </a:solidFill>
           </p:spPr>
           <p:style>
@@ -3660,20 +3667,32 @@
             <a:lstStyle/>
             <a:p>
               <a:r>
-                <a:rPr lang="en-US" dirty="0">
+                <a:rPr lang="en-US" sz="1600" dirty="0">
+                  <a:solidFill>
+                    <a:schemeClr val="tx1"/>
+                  </a:solidFill>
+                  <a:latin typeface="Courier New" panose="02070309020205020404" pitchFamily="49" charset="0"/>
+                  <a:cs typeface="Courier New" panose="02070309020205020404" pitchFamily="49" charset="0"/>
+                </a:rPr>
+                <a:t>value</a:t>
+              </a:r>
+              <a:r>
+                <a:rPr lang="en-US" sz="1600" dirty="0">
                   <a:solidFill>
                     <a:schemeClr val="tx1"/>
                   </a:solidFill>
                 </a:rPr>
-                <a:t>value: “Cheese”</a:t>
+                <a:t>: "Cheese"</a:t>
               </a:r>
             </a:p>
             <a:p>
               <a:r>
-                <a:rPr lang="en-US" dirty="0">
+                <a:rPr lang="en-US" sz="1600" dirty="0">
                   <a:solidFill>
                     <a:schemeClr val="tx1"/>
                   </a:solidFill>
+                  <a:latin typeface="Courier New" panose="02070309020205020404" pitchFamily="49" charset="0"/>
+                  <a:cs typeface="Courier New" panose="02070309020205020404" pitchFamily="49" charset="0"/>
                 </a:rPr>
                 <a:t>next</a:t>
               </a:r>
@@ -3706,7 +3725,7 @@
               <a:solidFill>
                 <a:schemeClr val="tx1"/>
               </a:solidFill>
-              <a:tailEnd type="triangle"/>
+              <a:tailEnd type="triangle" w="lg" len="lg"/>
             </a:ln>
           </p:spPr>
           <p:style>
@@ -3766,7 +3785,7 @@
               <a:avLst/>
             </a:prstGeom>
             <a:solidFill>
-              <a:schemeClr val="bg1"/>
+              <a:srgbClr val="FFFF00"/>
             </a:solidFill>
           </p:spPr>
           <p:style>
@@ -3790,20 +3809,32 @@
             <a:lstStyle/>
             <a:p>
               <a:r>
-                <a:rPr lang="en-US" dirty="0">
+                <a:rPr lang="en-US" sz="1600" dirty="0">
+                  <a:solidFill>
+                    <a:schemeClr val="tx1"/>
+                  </a:solidFill>
+                  <a:latin typeface="Courier New" panose="02070309020205020404" pitchFamily="49" charset="0"/>
+                  <a:cs typeface="Courier New" panose="02070309020205020404" pitchFamily="49" charset="0"/>
+                </a:rPr>
+                <a:t>value</a:t>
+              </a:r>
+              <a:r>
+                <a:rPr lang="en-US" sz="1600" dirty="0">
                   <a:solidFill>
                     <a:schemeClr val="tx1"/>
                   </a:solidFill>
                 </a:rPr>
-                <a:t>value: “Milk”</a:t>
+                <a:t>: "Milk"</a:t>
               </a:r>
             </a:p>
             <a:p>
               <a:r>
-                <a:rPr lang="en-US" dirty="0">
+                <a:rPr lang="en-US" sz="1600" dirty="0">
                   <a:solidFill>
                     <a:schemeClr val="tx1"/>
                   </a:solidFill>
+                  <a:latin typeface="Courier New" panose="02070309020205020404" pitchFamily="49" charset="0"/>
+                  <a:cs typeface="Courier New" panose="02070309020205020404" pitchFamily="49" charset="0"/>
                 </a:rPr>
                 <a:t>next</a:t>
               </a:r>
@@ -3836,7 +3867,7 @@
               <a:solidFill>
                 <a:schemeClr val="tx1"/>
               </a:solidFill>
-              <a:tailEnd type="triangle"/>
+              <a:tailEnd type="triangle" w="lg" len="lg"/>
             </a:ln>
           </p:spPr>
           <p:style>
@@ -3896,7 +3927,7 @@
               <a:avLst/>
             </a:prstGeom>
             <a:solidFill>
-              <a:schemeClr val="bg1"/>
+              <a:srgbClr val="FFFF00"/>
             </a:solidFill>
           </p:spPr>
           <p:style>
@@ -3920,20 +3951,32 @@
             <a:lstStyle/>
             <a:p>
               <a:r>
-                <a:rPr lang="en-US" dirty="0">
+                <a:rPr lang="en-US" sz="1600" dirty="0">
+                  <a:solidFill>
+                    <a:schemeClr val="tx1"/>
+                  </a:solidFill>
+                  <a:latin typeface="Courier New" panose="02070309020205020404" pitchFamily="49" charset="0"/>
+                  <a:cs typeface="Courier New" panose="02070309020205020404" pitchFamily="49" charset="0"/>
+                </a:rPr>
+                <a:t>value</a:t>
+              </a:r>
+              <a:r>
+                <a:rPr lang="en-US" sz="1600" dirty="0">
                   <a:solidFill>
                     <a:schemeClr val="tx1"/>
                   </a:solidFill>
                 </a:rPr>
-                <a:t>value: “Bread”</a:t>
+                <a:t>: "Bread"</a:t>
               </a:r>
             </a:p>
             <a:p>
               <a:r>
-                <a:rPr lang="en-US" dirty="0">
+                <a:rPr lang="en-US" sz="1600" dirty="0">
                   <a:solidFill>
                     <a:schemeClr val="tx1"/>
                   </a:solidFill>
+                  <a:latin typeface="Courier New" panose="02070309020205020404" pitchFamily="49" charset="0"/>
+                  <a:cs typeface="Courier New" panose="02070309020205020404" pitchFamily="49" charset="0"/>
                 </a:rPr>
                 <a:t>next</a:t>
               </a:r>
@@ -3966,7 +4009,7 @@
               <a:solidFill>
                 <a:schemeClr val="tx1"/>
               </a:solidFill>
-              <a:tailEnd type="triangle"/>
+              <a:tailEnd type="triangle" w="lg" len="lg"/>
             </a:ln>
           </p:spPr>
           <p:style>
@@ -4006,7 +4049,7 @@
             <a:avLst/>
           </a:prstGeom>
           <a:solidFill>
-            <a:schemeClr val="bg1"/>
+            <a:srgbClr val="FFFF00"/>
           </a:solidFill>
         </p:spPr>
         <p:style>
@@ -4030,22 +4073,52 @@
           <a:lstStyle/>
           <a:p>
             <a:r>
-              <a:rPr lang="en-US" dirty="0">
+              <a:rPr lang="en-US" sz="1600" dirty="0">
+                <a:solidFill>
+                  <a:schemeClr val="tx1"/>
+                </a:solidFill>
+                <a:latin typeface="Courier New" panose="02070309020205020404" pitchFamily="49" charset="0"/>
+                <a:cs typeface="Courier New" panose="02070309020205020404" pitchFamily="49" charset="0"/>
+              </a:rPr>
+              <a:t>value</a:t>
+            </a:r>
+            <a:r>
+              <a:rPr lang="en-US" sz="1600" dirty="0">
                 <a:solidFill>
                   <a:schemeClr val="tx1"/>
                 </a:solidFill>
               </a:rPr>
-              <a:t>value: “Ice Cream”</a:t>
-            </a:r>
-          </a:p>
-          <a:p>
-            <a:r>
-              <a:rPr lang="en-US" dirty="0">
+              <a:t>: "Ice Cream"</a:t>
+            </a:r>
+          </a:p>
+          <a:p>
+            <a:r>
+              <a:rPr lang="en-US" sz="1600" dirty="0">
+                <a:solidFill>
+                  <a:schemeClr val="tx1"/>
+                </a:solidFill>
+                <a:latin typeface="Courier New" panose="02070309020205020404" pitchFamily="49" charset="0"/>
+                <a:cs typeface="Courier New" panose="02070309020205020404" pitchFamily="49" charset="0"/>
+              </a:rPr>
+              <a:t>next</a:t>
+            </a:r>
+            <a:r>
+              <a:rPr lang="en-US" sz="1600" dirty="0">
                 <a:solidFill>
                   <a:schemeClr val="tx1"/>
                 </a:solidFill>
               </a:rPr>
-              <a:t>next: null</a:t>
+              <a:t>: </a:t>
+            </a:r>
+            <a:r>
+              <a:rPr lang="en-US" sz="1600" dirty="0">
+                <a:solidFill>
+                  <a:schemeClr val="tx1"/>
+                </a:solidFill>
+                <a:latin typeface="Courier New" panose="02070309020205020404" pitchFamily="49" charset="0"/>
+                <a:cs typeface="Courier New" panose="02070309020205020404" pitchFamily="49" charset="0"/>
+              </a:rPr>
+              <a:t>null</a:t>
             </a:r>
           </a:p>
         </p:txBody>
